--- a/template.pptx
+++ b/template.pptx
@@ -273,7 +273,7 @@
               <a:pPr>
                 <a:defRPr/>
               </a:pPr>
-              <a:t>2025/11/14</a:t>
+              <a:t>2025/11/18</a:t>
             </a:fld>
             <a:endParaRPr lang="zh-TW" altLang="en-US"/>
           </a:p>
@@ -474,7 +474,7 @@
               <a:pPr>
                 <a:defRPr/>
               </a:pPr>
-              <a:t>2025/11/14</a:t>
+              <a:t>2025/11/18</a:t>
             </a:fld>
             <a:endParaRPr lang="zh-TW" altLang="en-US"/>
           </a:p>
